--- a/docs/apresentacao/T1-G1-Apresentacao.pptx
+++ b/docs/apresentacao/T1-G1-Apresentacao.pptx
@@ -123,6 +123,35 @@
 </p:presentation>
 </file>
 
+<file path=ppt/changesInfos/changesInfo1.xml><?xml version="1.0" encoding="utf-8"?>
+<pc:chgInfo xmlns:a="http://schemas.openxmlformats.org/drawingml/2006/main" xmlns:r="http://schemas.openxmlformats.org/officeDocument/2006/relationships" xmlns:ac="http://schemas.microsoft.com/office/drawing/2013/main/command" xmlns:pc="http://schemas.microsoft.com/office/powerpoint/2013/main/command">
+  <pc:docChgLst>
+    <pc:chgData name="Tulio Brant" userId="228b607af58562ec" providerId="LiveId" clId="{98ACC091-A32D-449C-8B75-A67073FD8BDB}"/>
+    <pc:docChg chg="modSld">
+      <pc:chgData name="Tulio Brant" userId="228b607af58562ec" providerId="LiveId" clId="{98ACC091-A32D-449C-8B75-A67073FD8BDB}" dt="2022-04-28T17:41:44.602" v="45" actId="20577"/>
+      <pc:docMkLst>
+        <pc:docMk/>
+      </pc:docMkLst>
+      <pc:sldChg chg="modSp mod">
+        <pc:chgData name="Tulio Brant" userId="228b607af58562ec" providerId="LiveId" clId="{98ACC091-A32D-449C-8B75-A67073FD8BDB}" dt="2022-04-28T17:41:44.602" v="45" actId="20577"/>
+        <pc:sldMkLst>
+          <pc:docMk/>
+          <pc:sldMk cId="1245466002" sldId="256"/>
+        </pc:sldMkLst>
+        <pc:spChg chg="mod">
+          <ac:chgData name="Tulio Brant" userId="228b607af58562ec" providerId="LiveId" clId="{98ACC091-A32D-449C-8B75-A67073FD8BDB}" dt="2022-04-28T17:41:44.602" v="45" actId="20577"/>
+          <ac:spMkLst>
+            <pc:docMk/>
+            <pc:sldMk cId="1245466002" sldId="256"/>
+            <ac:spMk id="2" creationId="{23D3A67B-3B66-4FB5-9378-C13B68AE8AEF}"/>
+          </ac:spMkLst>
+        </pc:spChg>
+      </pc:sldChg>
+    </pc:docChg>
+  </pc:docChgLst>
+</pc:chgInfo>
+</file>
+
 <file path=ppt/notesMasters/notesMaster1.xml><?xml version="1.0" encoding="utf-8"?>
 <p:notesMaster xmlns:a="http://schemas.openxmlformats.org/drawingml/2006/main" xmlns:r="http://schemas.openxmlformats.org/officeDocument/2006/relationships" xmlns:p="http://schemas.openxmlformats.org/presentationml/2006/main">
   <p:cSld>
@@ -205,7 +234,7 @@
           <a:p>
             <a:fld id="{2BDE29EE-9B87-419F-AF79-1B2A070670AC}" type="datetimeFigureOut">
               <a:rPr lang="pt-BR" smtClean="0"/>
-              <a:t>27/04/2022</a:t>
+              <a:t>28/04/2022</a:t>
             </a:fld>
             <a:endParaRPr lang="pt-BR"/>
           </a:p>
@@ -9265,7 +9294,7 @@
           <a:p>
             <a:fld id="{DC3F9AA5-1F73-45E6-BD6D-7E2F5AFE1A15}" type="datetimeFigureOut">
               <a:rPr lang="pt-BR" smtClean="0"/>
-              <a:t>27/04/2022</a:t>
+              <a:t>28/04/2022</a:t>
             </a:fld>
             <a:endParaRPr lang="pt-BR"/>
           </a:p>
@@ -9472,7 +9501,7 @@
           <a:p>
             <a:fld id="{DC3F9AA5-1F73-45E6-BD6D-7E2F5AFE1A15}" type="datetimeFigureOut">
               <a:rPr lang="pt-BR" smtClean="0"/>
-              <a:t>27/04/2022</a:t>
+              <a:t>28/04/2022</a:t>
             </a:fld>
             <a:endParaRPr lang="pt-BR"/>
           </a:p>
@@ -9652,7 +9681,7 @@
           <a:p>
             <a:fld id="{DC3F9AA5-1F73-45E6-BD6D-7E2F5AFE1A15}" type="datetimeFigureOut">
               <a:rPr lang="pt-BR" smtClean="0"/>
-              <a:t>27/04/2022</a:t>
+              <a:t>28/04/2022</a:t>
             </a:fld>
             <a:endParaRPr lang="pt-BR"/>
           </a:p>
@@ -9857,7 +9886,7 @@
           <a:p>
             <a:fld id="{DC3F9AA5-1F73-45E6-BD6D-7E2F5AFE1A15}" type="datetimeFigureOut">
               <a:rPr lang="pt-BR" smtClean="0"/>
-              <a:t>27/04/2022</a:t>
+              <a:t>28/04/2022</a:t>
             </a:fld>
             <a:endParaRPr lang="pt-BR"/>
           </a:p>
@@ -18755,7 +18784,7 @@
           <a:p>
             <a:fld id="{DC3F9AA5-1F73-45E6-BD6D-7E2F5AFE1A15}" type="datetimeFigureOut">
               <a:rPr lang="pt-BR" smtClean="0"/>
-              <a:t>27/04/2022</a:t>
+              <a:t>28/04/2022</a:t>
             </a:fld>
             <a:endParaRPr lang="pt-BR"/>
           </a:p>
@@ -19029,7 +19058,7 @@
           <a:p>
             <a:fld id="{DC3F9AA5-1F73-45E6-BD6D-7E2F5AFE1A15}" type="datetimeFigureOut">
               <a:rPr lang="pt-BR" smtClean="0"/>
-              <a:t>27/04/2022</a:t>
+              <a:t>28/04/2022</a:t>
             </a:fld>
             <a:endParaRPr lang="pt-BR"/>
           </a:p>
@@ -19427,7 +19456,7 @@
           <a:p>
             <a:fld id="{DC3F9AA5-1F73-45E6-BD6D-7E2F5AFE1A15}" type="datetimeFigureOut">
               <a:rPr lang="pt-BR" smtClean="0"/>
-              <a:t>27/04/2022</a:t>
+              <a:t>28/04/2022</a:t>
             </a:fld>
             <a:endParaRPr lang="pt-BR"/>
           </a:p>
@@ -19545,7 +19574,7 @@
           <a:p>
             <a:fld id="{DC3F9AA5-1F73-45E6-BD6D-7E2F5AFE1A15}" type="datetimeFigureOut">
               <a:rPr lang="pt-BR" smtClean="0"/>
-              <a:t>27/04/2022</a:t>
+              <a:t>28/04/2022</a:t>
             </a:fld>
             <a:endParaRPr lang="pt-BR"/>
           </a:p>
@@ -19640,7 +19669,7 @@
           <a:p>
             <a:fld id="{DC3F9AA5-1F73-45E6-BD6D-7E2F5AFE1A15}" type="datetimeFigureOut">
               <a:rPr lang="pt-BR" smtClean="0"/>
-              <a:t>27/04/2022</a:t>
+              <a:t>28/04/2022</a:t>
             </a:fld>
             <a:endParaRPr lang="pt-BR"/>
           </a:p>
@@ -19930,7 +19959,7 @@
           <a:p>
             <a:fld id="{DC3F9AA5-1F73-45E6-BD6D-7E2F5AFE1A15}" type="datetimeFigureOut">
               <a:rPr lang="pt-BR" smtClean="0"/>
-              <a:t>27/04/2022</a:t>
+              <a:t>28/04/2022</a:t>
             </a:fld>
             <a:endParaRPr lang="pt-BR"/>
           </a:p>
@@ -20210,7 +20239,7 @@
           <a:p>
             <a:fld id="{DC3F9AA5-1F73-45E6-BD6D-7E2F5AFE1A15}" type="datetimeFigureOut">
               <a:rPr lang="pt-BR" smtClean="0"/>
-              <a:t>27/04/2022</a:t>
+              <a:t>28/04/2022</a:t>
             </a:fld>
             <a:endParaRPr lang="pt-BR"/>
           </a:p>
@@ -20460,7 +20489,7 @@
           <a:p>
             <a:fld id="{DC3F9AA5-1F73-45E6-BD6D-7E2F5AFE1A15}" type="datetimeFigureOut">
               <a:rPr lang="pt-BR" smtClean="0"/>
-              <a:t>27/04/2022</a:t>
+              <a:t>28/04/2022</a:t>
             </a:fld>
             <a:endParaRPr lang="pt-BR"/>
           </a:p>
@@ -20985,8 +21014,28 @@
           <a:p>
             <a:r>
               <a:rPr lang="pt-BR" dirty="0"/>
-              <a:t>Projeto Biblioteca online de jogos</a:t>
+              <a:t>Game </a:t>
             </a:r>
+            <a:r>
+              <a:rPr lang="pt-BR"/>
+              <a:t>Exchange </a:t>
+            </a:r>
+            <a:br>
+              <a:rPr lang="pt-BR"/>
+            </a:br>
+            <a:r>
+              <a:rPr lang="pt-BR"/>
+              <a:t>(</a:t>
+            </a:r>
+            <a:r>
+              <a:rPr lang="pt-BR" dirty="0"/>
+              <a:t>serviço de troca </a:t>
+            </a:r>
+            <a:r>
+              <a:rPr lang="pt-BR"/>
+              <a:t>de jogos)</a:t>
+            </a:r>
+            <a:endParaRPr lang="pt-BR" dirty="0"/>
           </a:p>
         </p:txBody>
       </p:sp>
